--- a/Machine learning techniques in sensor based human activity.pptx
+++ b/Machine learning techniques in sensor based human activity.pptx
@@ -9,6 +9,7 @@
     <p:sldId id="257" r:id="rId3"/>
     <p:sldId id="258" r:id="rId4"/>
     <p:sldId id="259" r:id="rId5"/>
+    <p:sldId id="260" r:id="rId6"/>
   </p:sldIdLst>
   <p:sldSz cx="12192000" cy="6858000"/>
   <p:notesSz cx="6858000" cy="9144000"/>
@@ -4432,7 +4433,14 @@
           <a:p>
             <a:r>
               <a:rPr lang="en-US" dirty="0"/>
-              <a:t>The algorithm –DNN </a:t>
+              <a:t>The algorithm –DNN</a:t>
+            </a:r>
+            <a:br>
+              <a:rPr lang="en-US" dirty="0"/>
+            </a:br>
+            <a:r>
+              <a:rPr lang="en-US" dirty="0"/>
+              <a:t> </a:t>
             </a:r>
           </a:p>
         </p:txBody>
@@ -4441,6 +4449,598 @@
     <p:extLst>
       <p:ext uri="{BB962C8B-B14F-4D97-AF65-F5344CB8AC3E}">
         <p14:creationId xmlns:p14="http://schemas.microsoft.com/office/powerpoint/2010/main" val="1822211870"/>
+      </p:ext>
+    </p:extLst>
+  </p:cSld>
+  <p:clrMapOvr>
+    <a:masterClrMapping/>
+  </p:clrMapOvr>
+</p:sld>
+</file>
+
+<file path=ppt/slides/slide5.xml><?xml version="1.0" encoding="utf-8"?>
+<p:sld xmlns:a="http://schemas.openxmlformats.org/drawingml/2006/main" xmlns:r="http://schemas.openxmlformats.org/officeDocument/2006/relationships" xmlns:p="http://schemas.openxmlformats.org/presentationml/2006/main">
+  <p:cSld>
+    <p:bg>
+      <p:bgPr>
+        <a:solidFill>
+          <a:schemeClr val="bg1"/>
+        </a:solidFill>
+        <a:effectLst/>
+      </p:bgPr>
+    </p:bg>
+    <p:spTree>
+      <p:nvGrpSpPr>
+        <p:cNvPr id="1" name=""/>
+        <p:cNvGrpSpPr/>
+        <p:nvPr/>
+      </p:nvGrpSpPr>
+      <p:grpSpPr>
+        <a:xfrm>
+          <a:off x="0" y="0"/>
+          <a:ext cx="0" cy="0"/>
+          <a:chOff x="0" y="0"/>
+          <a:chExt cx="0" cy="0"/>
+        </a:xfrm>
+      </p:grpSpPr>
+      <p:sp>
+        <p:nvSpPr>
+          <p:cNvPr id="10" name="Rectangle 9">
+            <a:extLst>
+              <a:ext uri="{FF2B5EF4-FFF2-40B4-BE49-F238E27FC236}">
+                <a16:creationId xmlns:a16="http://schemas.microsoft.com/office/drawing/2014/main" id="{35555856-9970-4BC3-9AA9-6A917F53AFBD}"/>
+              </a:ext>
+              <a:ext uri="{C183D7F6-B498-43B3-948B-1728B52AA6E4}">
+                <adec:decorative xmlns:adec="http://schemas.microsoft.com/office/drawing/2017/decorative" val="1"/>
+              </a:ext>
+            </a:extLst>
+          </p:cNvPr>
+          <p:cNvSpPr>
+            <a:spLocks noGrp="1" noRot="1" noChangeAspect="1" noMove="1" noResize="1" noEditPoints="1" noAdjustHandles="1" noChangeArrowheads="1" noChangeShapeType="1" noTextEdit="1"/>
+          </p:cNvSpPr>
+          <p:nvPr>
+            <p:extLst>
+              <p:ext uri="{386F3935-93C4-4BCD-93E2-E3B085C9AB24}">
+                <p16:designElem xmlns:p16="http://schemas.microsoft.com/office/powerpoint/2015/main" val="1"/>
+              </p:ext>
+            </p:extLst>
+          </p:nvPr>
+        </p:nvSpPr>
+        <p:spPr>
+          <a:xfrm>
+            <a:off x="5769972" y="0"/>
+            <a:ext cx="6421721" cy="6858000"/>
+          </a:xfrm>
+          <a:prstGeom prst="rect">
+            <a:avLst/>
+          </a:prstGeom>
+          <a:gradFill>
+            <a:gsLst>
+              <a:gs pos="0">
+                <a:schemeClr val="accent1">
+                  <a:lumMod val="100000"/>
+                  <a:alpha val="82000"/>
+                </a:schemeClr>
+              </a:gs>
+              <a:gs pos="25000">
+                <a:schemeClr val="accent1">
+                  <a:alpha val="60000"/>
+                </a:schemeClr>
+              </a:gs>
+              <a:gs pos="94000">
+                <a:schemeClr val="bg2">
+                  <a:lumMod val="75000"/>
+                </a:schemeClr>
+              </a:gs>
+              <a:gs pos="100000">
+                <a:schemeClr val="bg2">
+                  <a:lumMod val="75000"/>
+                </a:schemeClr>
+              </a:gs>
+            </a:gsLst>
+            <a:lin ang="4200000" scaled="0"/>
+          </a:gradFill>
+          <a:ln>
+            <a:noFill/>
+          </a:ln>
+        </p:spPr>
+        <p:style>
+          <a:lnRef idx="2">
+            <a:schemeClr val="accent1">
+              <a:shade val="50000"/>
+            </a:schemeClr>
+          </a:lnRef>
+          <a:fillRef idx="1">
+            <a:schemeClr val="accent1"/>
+          </a:fillRef>
+          <a:effectRef idx="0">
+            <a:schemeClr val="accent1"/>
+          </a:effectRef>
+          <a:fontRef idx="minor">
+            <a:schemeClr val="lt1"/>
+          </a:fontRef>
+        </p:style>
+        <p:txBody>
+          <a:bodyPr rtlCol="0" anchor="ctr"/>
+          <a:lstStyle/>
+          <a:p>
+            <a:pPr algn="ctr"/>
+            <a:endParaRPr lang="en-US"/>
+          </a:p>
+        </p:txBody>
+      </p:sp>
+      <p:pic>
+        <p:nvPicPr>
+          <p:cNvPr id="18" name="Picture 11">
+            <a:extLst>
+              <a:ext uri="{FF2B5EF4-FFF2-40B4-BE49-F238E27FC236}">
+                <a16:creationId xmlns:a16="http://schemas.microsoft.com/office/drawing/2014/main" id="{7F487851-BFAF-46D8-A1ED-50CAD6E46F59}"/>
+              </a:ext>
+              <a:ext uri="{C183D7F6-B498-43B3-948B-1728B52AA6E4}">
+                <adec:decorative xmlns:adec="http://schemas.microsoft.com/office/drawing/2017/decorative" val="1"/>
+              </a:ext>
+            </a:extLst>
+          </p:cNvPr>
+          <p:cNvPicPr>
+            <a:picLocks noGrp="1" noRot="1" noChangeAspect="1" noMove="1" noResize="1" noEditPoints="1" noAdjustHandles="1" noChangeArrowheads="1" noChangeShapeType="1" noCrop="1"/>
+          </p:cNvPicPr>
+          <p:nvPr>
+            <p:extLst>
+              <p:ext uri="{386F3935-93C4-4BCD-93E2-E3B085C9AB24}">
+                <p16:designElem xmlns:p16="http://schemas.microsoft.com/office/powerpoint/2015/main" val="1"/>
+              </p:ext>
+            </p:extLst>
+          </p:nvPr>
+        </p:nvPicPr>
+        <p:blipFill>
+          <a:blip r:embed="rId2">
+            <a:extLst>
+              <a:ext uri="{28A0092B-C50C-407E-A947-70E740481C1C}">
+                <a14:useLocalDpi xmlns:a14="http://schemas.microsoft.com/office/drawing/2010/main" val="0"/>
+              </a:ext>
+            </a:extLst>
+          </a:blip>
+          <a:stretch>
+            <a:fillRect/>
+          </a:stretch>
+        </p:blipFill>
+        <p:spPr>
+          <a:xfrm flipH="1">
+            <a:off x="0" y="0"/>
+            <a:ext cx="12192000" cy="6858000"/>
+          </a:xfrm>
+          <a:prstGeom prst="rect">
+            <a:avLst/>
+          </a:prstGeom>
+        </p:spPr>
+      </p:pic>
+      <p:sp>
+        <p:nvSpPr>
+          <p:cNvPr id="2" name="Title 1">
+            <a:extLst>
+              <a:ext uri="{FF2B5EF4-FFF2-40B4-BE49-F238E27FC236}">
+                <a16:creationId xmlns:a16="http://schemas.microsoft.com/office/drawing/2014/main" id="{40CC2D0B-6298-4F82-ACAA-89770346368C}"/>
+              </a:ext>
+            </a:extLst>
+          </p:cNvPr>
+          <p:cNvSpPr>
+            <a:spLocks noGrp="1"/>
+          </p:cNvSpPr>
+          <p:nvPr>
+            <p:ph type="title"/>
+          </p:nvPr>
+        </p:nvSpPr>
+        <p:spPr>
+          <a:xfrm>
+            <a:off x="305091" y="631474"/>
+            <a:ext cx="8062731" cy="3993690"/>
+          </a:xfrm>
+        </p:spPr>
+        <p:txBody>
+          <a:bodyPr vert="horz" lIns="91440" tIns="45720" rIns="91440" bIns="45720" rtlCol="0" anchor="t">
+            <a:normAutofit fontScale="90000"/>
+          </a:bodyPr>
+          <a:lstStyle/>
+          <a:p>
+            <a:r>
+              <a:rPr lang="en-US" sz="4400" kern="1200" dirty="0">
+                <a:solidFill>
+                  <a:srgbClr val="000000"/>
+                </a:solidFill>
+                <a:latin typeface="+mj-lt"/>
+                <a:ea typeface="+mj-ea"/>
+                <a:cs typeface="+mj-cs"/>
+              </a:rPr>
+              <a:t>CITATIONS/REFERENCES </a:t>
+            </a:r>
+            <a:br>
+              <a:rPr lang="en-US" sz="4400" kern="1200" dirty="0">
+                <a:solidFill>
+                  <a:srgbClr val="000000"/>
+                </a:solidFill>
+                <a:latin typeface="+mj-lt"/>
+                <a:ea typeface="+mj-ea"/>
+                <a:cs typeface="+mj-cs"/>
+              </a:rPr>
+            </a:br>
+            <a:br>
+              <a:rPr lang="en-US" sz="4400" kern="1200" dirty="0">
+                <a:solidFill>
+                  <a:srgbClr val="000000"/>
+                </a:solidFill>
+                <a:latin typeface="+mj-lt"/>
+                <a:ea typeface="+mj-ea"/>
+                <a:cs typeface="+mj-cs"/>
+              </a:rPr>
+            </a:br>
+            <a:r>
+              <a:rPr lang="en-US" sz="1800" kern="1200" dirty="0">
+                <a:solidFill>
+                  <a:srgbClr val="000000"/>
+                </a:solidFill>
+                <a:latin typeface="+mj-lt"/>
+                <a:ea typeface="+mj-ea"/>
+                <a:cs typeface="+mj-cs"/>
+              </a:rPr>
+              <a:t>1.Activity Recognition using cellphone Accelerometers </a:t>
+            </a:r>
+            <a:br>
+              <a:rPr lang="en-US" sz="1800" kern="1200" dirty="0">
+                <a:solidFill>
+                  <a:srgbClr val="000000"/>
+                </a:solidFill>
+                <a:latin typeface="+mj-lt"/>
+                <a:ea typeface="+mj-ea"/>
+                <a:cs typeface="+mj-cs"/>
+              </a:rPr>
+            </a:br>
+            <a:r>
+              <a:rPr lang="en-US" sz="1800" kern="1200" dirty="0">
+                <a:solidFill>
+                  <a:srgbClr val="000000"/>
+                </a:solidFill>
+                <a:latin typeface="+mj-lt"/>
+                <a:ea typeface="+mj-ea"/>
+                <a:cs typeface="+mj-cs"/>
+              </a:rPr>
+              <a:t> </a:t>
+            </a:r>
+            <a:r>
+              <a:rPr lang="en-US" sz="1800" dirty="0"/>
+              <a:t>Jennifer R. Kwapisz, Gary M. Weiss, Samuel A. Moore</a:t>
+            </a:r>
+            <a:br>
+              <a:rPr lang="en-US" sz="1800" dirty="0"/>
+            </a:br>
+            <a:br>
+              <a:rPr lang="en-US" sz="1800" dirty="0"/>
+            </a:br>
+            <a:r>
+              <a:rPr lang="en-US" sz="1800" dirty="0"/>
+              <a:t>2. Human Activity Recognition(HAR) Tutorial with Keras and Core ML(Part 1)</a:t>
+            </a:r>
+            <a:br>
+              <a:rPr lang="en-US" sz="1800" dirty="0"/>
+            </a:br>
+            <a:r>
+              <a:rPr lang="en-US" sz="1800" dirty="0"/>
+              <a:t>Nils Ackermann –Towards Data Science</a:t>
+            </a:r>
+            <a:br>
+              <a:rPr lang="en-US" sz="1800" dirty="0"/>
+            </a:br>
+            <a:br>
+              <a:rPr lang="en-US" sz="1800" dirty="0"/>
+            </a:br>
+            <a:r>
+              <a:rPr lang="en-US" sz="1800" dirty="0"/>
+              <a:t>3.The impact of Personalization of smartphone – Based Activity Recognition</a:t>
+            </a:r>
+            <a:br>
+              <a:rPr lang="en-US" sz="1800" dirty="0"/>
+            </a:br>
+            <a:r>
+              <a:rPr lang="en-US" sz="1800" dirty="0"/>
+              <a:t>Gary M. Weiss and Jeffrey W. Lockhart</a:t>
+            </a:r>
+            <a:br>
+              <a:rPr lang="en-US" sz="1800" dirty="0"/>
+            </a:br>
+            <a:br>
+              <a:rPr lang="en-US" sz="1800" dirty="0"/>
+            </a:br>
+            <a:r>
+              <a:rPr lang="en-US" sz="1800" dirty="0"/>
+              <a:t>4.Human Activity Recognition using LSTMs on Android – TensorFlow for Hackers</a:t>
+            </a:r>
+            <a:br>
+              <a:rPr lang="en-US" sz="1800" dirty="0"/>
+            </a:br>
+            <a:r>
+              <a:rPr lang="en-US" sz="1800" dirty="0"/>
+              <a:t>(Part 6)</a:t>
+            </a:r>
+            <a:br>
+              <a:rPr lang="en-US" sz="1800" dirty="0"/>
+            </a:br>
+            <a:r>
+              <a:rPr lang="en-US" sz="1800" dirty="0"/>
+              <a:t>Venelin Valkov </a:t>
+            </a:r>
+            <a:r>
+              <a:rPr lang="en-US" sz="1800"/>
+              <a:t>–Medium</a:t>
+            </a:r>
+            <a:br>
+              <a:rPr lang="en-US" sz="1800"/>
+            </a:br>
+            <a:br>
+              <a:rPr lang="en-US" sz="1800" dirty="0"/>
+            </a:br>
+            <a:br>
+              <a:rPr lang="en-US" sz="1800" dirty="0"/>
+            </a:br>
+            <a:br>
+              <a:rPr lang="en-US" sz="1800" dirty="0"/>
+            </a:br>
+            <a:br>
+              <a:rPr lang="en-US" sz="1800" dirty="0"/>
+            </a:br>
+            <a:br>
+              <a:rPr lang="en-US" sz="1800" dirty="0"/>
+            </a:br>
+            <a:endParaRPr lang="en-US" sz="1800" kern="1200" dirty="0">
+              <a:solidFill>
+                <a:srgbClr val="000000"/>
+              </a:solidFill>
+              <a:latin typeface="+mj-lt"/>
+              <a:ea typeface="+mj-ea"/>
+              <a:cs typeface="+mj-cs"/>
+            </a:endParaRPr>
+          </a:p>
+        </p:txBody>
+      </p:sp>
+      <p:sp>
+        <p:nvSpPr>
+          <p:cNvPr id="19" name="Freeform 50">
+            <a:extLst>
+              <a:ext uri="{FF2B5EF4-FFF2-40B4-BE49-F238E27FC236}">
+                <a16:creationId xmlns:a16="http://schemas.microsoft.com/office/drawing/2014/main" id="{13722DD7-BA73-4776-93A3-94491FEF7260}"/>
+              </a:ext>
+              <a:ext uri="{C183D7F6-B498-43B3-948B-1728B52AA6E4}">
+                <adec:decorative xmlns:adec="http://schemas.microsoft.com/office/drawing/2017/decorative" val="1"/>
+              </a:ext>
+            </a:extLst>
+          </p:cNvPr>
+          <p:cNvSpPr>
+            <a:spLocks noGrp="1" noRot="1" noChangeAspect="1" noMove="1" noResize="1" noEditPoints="1" noAdjustHandles="1" noChangeArrowheads="1" noChangeShapeType="1" noTextEdit="1"/>
+          </p:cNvSpPr>
+          <p:nvPr>
+            <p:extLst>
+              <p:ext uri="{386F3935-93C4-4BCD-93E2-E3B085C9AB24}">
+                <p16:designElem xmlns:p16="http://schemas.microsoft.com/office/powerpoint/2015/main" val="1"/>
+              </p:ext>
+            </p:extLst>
+          </p:nvPr>
+        </p:nvSpPr>
+        <p:spPr>
+          <a:xfrm>
+            <a:off x="6727121" y="581159"/>
+            <a:ext cx="5464879" cy="6276841"/>
+          </a:xfrm>
+          <a:custGeom>
+            <a:avLst/>
+            <a:gdLst>
+              <a:gd name="connsiteX0" fmla="*/ 3299930 w 5464879"/>
+              <a:gd name="connsiteY0" fmla="*/ 0 h 6276841"/>
+              <a:gd name="connsiteX1" fmla="*/ 5398992 w 5464879"/>
+              <a:gd name="connsiteY1" fmla="*/ 753544 h 6276841"/>
+              <a:gd name="connsiteX2" fmla="*/ 5464879 w 5464879"/>
+              <a:gd name="connsiteY2" fmla="*/ 813426 h 6276841"/>
+              <a:gd name="connsiteX3" fmla="*/ 5464879 w 5464879"/>
+              <a:gd name="connsiteY3" fmla="*/ 5786434 h 6276841"/>
+              <a:gd name="connsiteX4" fmla="*/ 5398992 w 5464879"/>
+              <a:gd name="connsiteY4" fmla="*/ 5846317 h 6276841"/>
+              <a:gd name="connsiteX5" fmla="*/ 4872873 w 5464879"/>
+              <a:gd name="connsiteY5" fmla="*/ 6201577 h 6276841"/>
+              <a:gd name="connsiteX6" fmla="*/ 4716632 w 5464879"/>
+              <a:gd name="connsiteY6" fmla="*/ 6276841 h 6276841"/>
+              <a:gd name="connsiteX7" fmla="*/ 1883227 w 5464879"/>
+              <a:gd name="connsiteY7" fmla="*/ 6276841 h 6276841"/>
+              <a:gd name="connsiteX8" fmla="*/ 1726987 w 5464879"/>
+              <a:gd name="connsiteY8" fmla="*/ 6201577 h 6276841"/>
+              <a:gd name="connsiteX9" fmla="*/ 0 w 5464879"/>
+              <a:gd name="connsiteY9" fmla="*/ 3299930 h 6276841"/>
+              <a:gd name="connsiteX10" fmla="*/ 3299930 w 5464879"/>
+              <a:gd name="connsiteY10" fmla="*/ 0 h 6276841"/>
+            </a:gdLst>
+            <a:ahLst/>
+            <a:cxnLst>
+              <a:cxn ang="0">
+                <a:pos x="connsiteX0" y="connsiteY0"/>
+              </a:cxn>
+              <a:cxn ang="0">
+                <a:pos x="connsiteX1" y="connsiteY1"/>
+              </a:cxn>
+              <a:cxn ang="0">
+                <a:pos x="connsiteX2" y="connsiteY2"/>
+              </a:cxn>
+              <a:cxn ang="0">
+                <a:pos x="connsiteX3" y="connsiteY3"/>
+              </a:cxn>
+              <a:cxn ang="0">
+                <a:pos x="connsiteX4" y="connsiteY4"/>
+              </a:cxn>
+              <a:cxn ang="0">
+                <a:pos x="connsiteX5" y="connsiteY5"/>
+              </a:cxn>
+              <a:cxn ang="0">
+                <a:pos x="connsiteX6" y="connsiteY6"/>
+              </a:cxn>
+              <a:cxn ang="0">
+                <a:pos x="connsiteX7" y="connsiteY7"/>
+              </a:cxn>
+              <a:cxn ang="0">
+                <a:pos x="connsiteX8" y="connsiteY8"/>
+              </a:cxn>
+              <a:cxn ang="0">
+                <a:pos x="connsiteX9" y="connsiteY9"/>
+              </a:cxn>
+              <a:cxn ang="0">
+                <a:pos x="connsiteX10" y="connsiteY10"/>
+              </a:cxn>
+            </a:cxnLst>
+            <a:rect l="l" t="t" r="r" b="b"/>
+            <a:pathLst>
+              <a:path w="5464879" h="6276841">
+                <a:moveTo>
+                  <a:pt x="3299930" y="0"/>
+                </a:moveTo>
+                <a:cubicBezTo>
+                  <a:pt x="4097274" y="0"/>
+                  <a:pt x="4828569" y="282789"/>
+                  <a:pt x="5398992" y="753544"/>
+                </a:cubicBezTo>
+                <a:lnTo>
+                  <a:pt x="5464879" y="813426"/>
+                </a:lnTo>
+                <a:lnTo>
+                  <a:pt x="5464879" y="5786434"/>
+                </a:lnTo>
+                <a:lnTo>
+                  <a:pt x="5398992" y="5846317"/>
+                </a:lnTo>
+                <a:cubicBezTo>
+                  <a:pt x="5236014" y="5980818"/>
+                  <a:pt x="5059904" y="6099975"/>
+                  <a:pt x="4872873" y="6201577"/>
+                </a:cubicBezTo>
+                <a:lnTo>
+                  <a:pt x="4716632" y="6276841"/>
+                </a:lnTo>
+                <a:lnTo>
+                  <a:pt x="1883227" y="6276841"/>
+                </a:lnTo>
+                <a:lnTo>
+                  <a:pt x="1726987" y="6201577"/>
+                </a:lnTo>
+                <a:cubicBezTo>
+                  <a:pt x="698316" y="5642769"/>
+                  <a:pt x="0" y="4552900"/>
+                  <a:pt x="0" y="3299930"/>
+                </a:cubicBezTo>
+                <a:cubicBezTo>
+                  <a:pt x="0" y="1477429"/>
+                  <a:pt x="1477429" y="0"/>
+                  <a:pt x="3299930" y="0"/>
+                </a:cubicBezTo>
+                <a:close/>
+              </a:path>
+            </a:pathLst>
+          </a:custGeom>
+          <a:solidFill>
+            <a:srgbClr val="FFFFFF"/>
+          </a:solidFill>
+          <a:ln>
+            <a:gradFill>
+              <a:gsLst>
+                <a:gs pos="0">
+                  <a:schemeClr val="accent1">
+                    <a:lumMod val="40000"/>
+                    <a:lumOff val="60000"/>
+                  </a:schemeClr>
+                </a:gs>
+                <a:gs pos="23000">
+                  <a:schemeClr val="accent1">
+                    <a:lumMod val="45000"/>
+                    <a:lumOff val="55000"/>
+                  </a:schemeClr>
+                </a:gs>
+                <a:gs pos="83000">
+                  <a:schemeClr val="bg2">
+                    <a:lumMod val="75000"/>
+                  </a:schemeClr>
+                </a:gs>
+                <a:gs pos="100000">
+                  <a:schemeClr val="bg2">
+                    <a:lumMod val="75000"/>
+                  </a:schemeClr>
+                </a:gs>
+              </a:gsLst>
+              <a:lin ang="5400000" scaled="1"/>
+            </a:gradFill>
+          </a:ln>
+        </p:spPr>
+        <p:style>
+          <a:lnRef idx="2">
+            <a:schemeClr val="accent1">
+              <a:shade val="50000"/>
+            </a:schemeClr>
+          </a:lnRef>
+          <a:fillRef idx="1">
+            <a:schemeClr val="accent1"/>
+          </a:fillRef>
+          <a:effectRef idx="0">
+            <a:schemeClr val="accent1"/>
+          </a:effectRef>
+          <a:fontRef idx="minor">
+            <a:schemeClr val="lt1"/>
+          </a:fontRef>
+        </p:style>
+        <p:txBody>
+          <a:bodyPr wrap="square" rtlCol="0" anchor="ctr">
+            <a:noAutofit/>
+          </a:bodyPr>
+          <a:lstStyle/>
+          <a:p>
+            <a:pPr algn="ctr"/>
+            <a:endParaRPr lang="en-US"/>
+          </a:p>
+        </p:txBody>
+      </p:sp>
+      <p:pic>
+        <p:nvPicPr>
+          <p:cNvPr id="7" name="Graphic 6" descr="Books">
+            <a:extLst>
+              <a:ext uri="{FF2B5EF4-FFF2-40B4-BE49-F238E27FC236}">
+                <a16:creationId xmlns:a16="http://schemas.microsoft.com/office/drawing/2014/main" id="{660A6E4A-DF95-4FA8-A7A7-1CCE71BB4865}"/>
+              </a:ext>
+            </a:extLst>
+          </p:cNvPr>
+          <p:cNvPicPr>
+            <a:picLocks noChangeAspect="1"/>
+          </p:cNvPicPr>
+          <p:nvPr/>
+        </p:nvPicPr>
+        <p:blipFill>
+          <a:blip r:embed="rId3">
+            <a:extLst>
+              <a:ext uri="{28A0092B-C50C-407E-A947-70E740481C1C}">
+                <a14:useLocalDpi xmlns:a14="http://schemas.microsoft.com/office/drawing/2010/main" val="0"/>
+              </a:ext>
+              <a:ext uri="{96DAC541-7B7A-43D3-8B79-37D633B846F1}">
+                <asvg:svgBlip xmlns:asvg="http://schemas.microsoft.com/office/drawing/2016/SVG/main" r:embed="rId4"/>
+              </a:ext>
+            </a:extLst>
+          </a:blip>
+          <a:stretch>
+            <a:fillRect/>
+          </a:stretch>
+        </p:blipFill>
+        <p:spPr>
+          <a:xfrm>
+            <a:off x="7709770" y="1815320"/>
+            <a:ext cx="4141760" cy="4141760"/>
+          </a:xfrm>
+          <a:prstGeom prst="rect">
+            <a:avLst/>
+          </a:prstGeom>
+        </p:spPr>
+      </p:pic>
+    </p:spTree>
+    <p:extLst>
+      <p:ext uri="{BB962C8B-B14F-4D97-AF65-F5344CB8AC3E}">
+        <p14:creationId xmlns:p14="http://schemas.microsoft.com/office/powerpoint/2010/main" val="4107713819"/>
       </p:ext>
     </p:extLst>
   </p:cSld>
